--- a/shoestring.pptx
+++ b/shoestring.pptx
@@ -207,7 +207,7 @@
           <a:p>
             <a:fld id="{7467EBF8-E69D-744D-B05B-9761D0DB2921}" type="datetimeFigureOut">
               <a:rPr lang="en-US" smtClean="0"/>
-              <a:t>4/4/20</a:t>
+              <a:t>4/6/20</a:t>
             </a:fld>
             <a:endParaRPr lang="en-US"/>
           </a:p>
@@ -743,7 +743,7 @@
           <a:p>
             <a:fld id="{88D38747-4367-4BD2-8D51-C97E202738E2}" type="datetime1">
               <a:rPr lang="en-US" smtClean="0"/>
-              <a:t>4/4/20</a:t>
+              <a:t>4/6/20</a:t>
             </a:fld>
             <a:endParaRPr lang="en-US" dirty="0"/>
           </a:p>
@@ -1048,7 +1048,7 @@
           <a:p>
             <a:fld id="{11F1B079-7EF0-44EE-B798-BCC497C9F3B2}" type="datetime1">
               <a:rPr lang="en-US" smtClean="0"/>
-              <a:t>4/4/20</a:t>
+              <a:t>4/6/20</a:t>
             </a:fld>
             <a:endParaRPr lang="en-US" dirty="0"/>
           </a:p>
@@ -1242,7 +1242,7 @@
           <a:p>
             <a:fld id="{28FF70A8-1D13-4657-95F0-A9EA54967B8D}" type="datetime1">
               <a:rPr lang="en-US" smtClean="0"/>
-              <a:t>4/4/20</a:t>
+              <a:t>4/6/20</a:t>
             </a:fld>
             <a:endParaRPr lang="en-US" dirty="0"/>
           </a:p>
@@ -1505,7 +1505,7 @@
           <a:p>
             <a:fld id="{21EB90AC-71BD-4C7F-8ACA-7B3F18292E63}" type="datetime1">
               <a:rPr lang="en-US" smtClean="0"/>
-              <a:t>4/4/20</a:t>
+              <a:t>4/6/20</a:t>
             </a:fld>
             <a:endParaRPr lang="en-US" dirty="0"/>
           </a:p>
@@ -1941,7 +1941,7 @@
           <a:p>
             <a:fld id="{4E6EFC2C-8905-46F0-B443-CE905B76BA01}" type="datetime1">
               <a:rPr lang="en-US" smtClean="0"/>
-              <a:t>4/4/20</a:t>
+              <a:t>4/6/20</a:t>
             </a:fld>
             <a:endParaRPr lang="en-US" dirty="0"/>
           </a:p>
@@ -2478,7 +2478,7 @@
           <a:p>
             <a:fld id="{D9079DC3-C9B5-499E-9140-0DC28B7074E2}" type="datetime1">
               <a:rPr lang="en-US" smtClean="0"/>
-              <a:t>4/4/20</a:t>
+              <a:t>4/6/20</a:t>
             </a:fld>
             <a:endParaRPr lang="en-US" dirty="0"/>
           </a:p>
@@ -3360,7 +3360,7 @@
           <a:p>
             <a:fld id="{30BB33EA-E472-4D22-9C03-A9C14AA21CED}" type="datetime1">
               <a:rPr lang="en-US" smtClean="0"/>
-              <a:t>4/4/20</a:t>
+              <a:t>4/6/20</a:t>
             </a:fld>
             <a:endParaRPr lang="en-US" dirty="0"/>
           </a:p>
@@ -3530,7 +3530,7 @@
           <a:p>
             <a:fld id="{217E833E-1B6D-415F-AD29-75AE8C43BD0D}" type="datetime1">
               <a:rPr lang="en-US" smtClean="0"/>
-              <a:t>4/4/20</a:t>
+              <a:t>4/6/20</a:t>
             </a:fld>
             <a:endParaRPr lang="en-US" dirty="0"/>
           </a:p>
@@ -3714,7 +3714,7 @@
           <a:p>
             <a:fld id="{8452596F-08A7-4B70-989A-F2B1CF31E66B}" type="datetime1">
               <a:rPr lang="en-US" smtClean="0"/>
-              <a:t>4/4/20</a:t>
+              <a:t>4/6/20</a:t>
             </a:fld>
             <a:endParaRPr lang="en-US" dirty="0"/>
           </a:p>
@@ -3884,7 +3884,7 @@
           <a:p>
             <a:fld id="{73C55A3C-5767-4844-A0A3-83778C2E5409}" type="datetime1">
               <a:rPr lang="en-US" smtClean="0"/>
-              <a:t>4/4/20</a:t>
+              <a:t>4/6/20</a:t>
             </a:fld>
             <a:endParaRPr lang="en-US" dirty="0"/>
           </a:p>
@@ -4128,7 +4128,7 @@
           <a:p>
             <a:fld id="{CAE507A8-A5CF-4D38-AB86-7EDDA87A85D4}" type="datetime1">
               <a:rPr lang="en-US" smtClean="0"/>
-              <a:t>4/4/20</a:t>
+              <a:t>4/6/20</a:t>
             </a:fld>
             <a:endParaRPr lang="en-US" dirty="0"/>
           </a:p>
@@ -4370,7 +4370,7 @@
           <a:p>
             <a:fld id="{BDFCD27C-8599-43EF-BA1D-14DDC1946E06}" type="datetime1">
               <a:rPr lang="en-US" smtClean="0"/>
-              <a:t>4/4/20</a:t>
+              <a:t>4/6/20</a:t>
             </a:fld>
             <a:endParaRPr lang="en-US" dirty="0"/>
           </a:p>
@@ -4851,7 +4851,7 @@
           <a:p>
             <a:fld id="{49343D99-809A-49C0-96E5-4250D0B498EE}" type="datetime1">
               <a:rPr lang="en-US" smtClean="0"/>
-              <a:t>4/4/20</a:t>
+              <a:t>4/6/20</a:t>
             </a:fld>
             <a:endParaRPr lang="en-US" dirty="0"/>
           </a:p>
@@ -4969,7 +4969,7 @@
           <a:p>
             <a:fld id="{A143DE9B-B678-4EFB-BB7D-A4370204A0B0}" type="datetime1">
               <a:rPr lang="en-US" smtClean="0"/>
-              <a:t>4/4/20</a:t>
+              <a:t>4/6/20</a:t>
             </a:fld>
             <a:endParaRPr lang="en-US" dirty="0"/>
           </a:p>
@@ -5064,7 +5064,7 @@
           <a:p>
             <a:fld id="{E68812DA-F765-4142-A6A3-A8ED7235E082}" type="datetime1">
               <a:rPr lang="en-US" smtClean="0"/>
-              <a:t>4/4/20</a:t>
+              <a:t>4/6/20</a:t>
             </a:fld>
             <a:endParaRPr lang="en-US" dirty="0"/>
           </a:p>
@@ -5319,7 +5319,7 @@
           <a:p>
             <a:fld id="{3E0277FD-7DE6-41D4-930D-AC99F5AFE54E}" type="datetime1">
               <a:rPr lang="en-US" smtClean="0"/>
-              <a:t>4/4/20</a:t>
+              <a:t>4/6/20</a:t>
             </a:fld>
             <a:endParaRPr lang="en-US" dirty="0"/>
           </a:p>
@@ -5626,7 +5626,7 @@
           <a:p>
             <a:fld id="{9EA15526-7079-4B7B-987C-1B5FAE11A0FF}" type="datetime1">
               <a:rPr lang="en-US" smtClean="0"/>
-              <a:t>4/4/20</a:t>
+              <a:t>4/6/20</a:t>
             </a:fld>
             <a:endParaRPr lang="en-US" dirty="0"/>
           </a:p>
@@ -5861,7 +5861,7 @@
           <a:p>
             <a:fld id="{073ED0CC-082F-4160-86E5-0D6041F12778}" type="datetime1">
               <a:rPr lang="en-US" smtClean="0"/>
-              <a:t>4/4/20</a:t>
+              <a:t>4/6/20</a:t>
             </a:fld>
             <a:endParaRPr lang="en-US" dirty="0"/>
           </a:p>
@@ -6607,7 +6607,7 @@
           </a:effectLst>
           <a:extLst>
             <a:ext uri="{91240B29-F687-4f45-9708-019B960494DF}">
-              <a14:hiddenLine xmlns="" xmlns:a16="http://schemas.microsoft.com/office/drawing/2014/main" xmlns:p14="http://schemas.microsoft.com/office/powerpoint/2010/main" xmlns:a14="http://schemas.microsoft.com/office/drawing/2010/main" w="9525">
+              <a14:hiddenLine xmlns:a14="http://schemas.microsoft.com/office/drawing/2010/main" xmlns:p14="http://schemas.microsoft.com/office/powerpoint/2010/main" xmlns:a16="http://schemas.microsoft.com/office/drawing/2014/main" xmlns="" w="9525">
                 <a:solidFill>
                   <a:srgbClr val="000000"/>
                 </a:solidFill>
@@ -9901,8 +9901,8 @@
         </p:nvSpPr>
         <p:spPr>
           <a:xfrm>
-            <a:off x="913795" y="963506"/>
-            <a:ext cx="3740815" cy="4827693"/>
+            <a:off x="1446273" y="963506"/>
+            <a:ext cx="3208337" cy="4827693"/>
           </a:xfrm>
         </p:spPr>
         <p:txBody>
@@ -10036,7 +10036,7 @@
                 <a:latin typeface="Calibri" panose="020F0502020204030204" pitchFamily="34" charset="0"/>
                 <a:cs typeface="Calibri" panose="020F0502020204030204" pitchFamily="34" charset="0"/>
               </a:rPr>
-              <a:t>Shoestring is a multifunctional web-based application, which allows user to sign up, find friends, upload profile-photos, connect their bank account, utilize a currency converter and, although it is still under development, transfer money between account users. We utilize a MERN Stack to build out the user dashboard. </a:t>
+              <a:t>Shoestring is a multifunctional web-based application, which allows users to sign up, find friends, upload profile-photos, connect their bank account, utilize a currency converter and, although it is still under development, transfer money between account users. We utilize a MERN Stack to build out the user dashboard. </a:t>
             </a:r>
           </a:p>
           <a:p>
